--- a/progress.pptx
+++ b/progress.pptx
@@ -6996,10 +6996,10 @@
       </p:sp>
       <p:pic>
         <p:nvPicPr>
-          <p:cNvPr id="4" name="그림 3">
+          <p:cNvPr id="3" name="그림 2">
             <a:extLst>
               <a:ext uri="{FF2B5EF4-FFF2-40B4-BE49-F238E27FC236}">
-                <a16:creationId xmlns:a16="http://schemas.microsoft.com/office/drawing/2014/main" id="{8B874738-3159-1C40-B59B-D37A657F3FC6}"/>
+                <a16:creationId xmlns:a16="http://schemas.microsoft.com/office/drawing/2014/main" id="{4095A32E-A382-7843-96EE-01CDB815EB1F}"/>
               </a:ext>
             </a:extLst>
           </p:cNvPr>
@@ -7016,8 +7016,8 @@
         </p:blipFill>
         <p:spPr>
           <a:xfrm>
-            <a:off x="2743429" y="1716696"/>
-            <a:ext cx="6704778" cy="3783971"/>
+            <a:off x="3144461" y="1749855"/>
+            <a:ext cx="6094177" cy="3467914"/>
           </a:xfrm>
           <a:prstGeom prst="rect">
             <a:avLst/>
